--- a/assets/slides/hw/genomic-data-visualization-HW_0.pptx
+++ b/assets/slides/hw/genomic-data-visualization-HW_0.pptx
@@ -283,7 +283,7 @@
           <a:p>
             <a:fld id="{3B49BF8B-8FD1-1748-B518-B651293E6FA0}" type="datetimeFigureOut">
               <a:rPr lang="en-US" smtClean="0"/>
-              <a:t>8/26/21</a:t>
+              <a:t>11/28/21</a:t>
             </a:fld>
             <a:endParaRPr lang="en-US"/>
           </a:p>
@@ -453,7 +453,7 @@
           <a:p>
             <a:fld id="{3B49BF8B-8FD1-1748-B518-B651293E6FA0}" type="datetimeFigureOut">
               <a:rPr lang="en-US" smtClean="0"/>
-              <a:t>8/26/21</a:t>
+              <a:t>11/28/21</a:t>
             </a:fld>
             <a:endParaRPr lang="en-US"/>
           </a:p>
@@ -633,7 +633,7 @@
           <a:p>
             <a:fld id="{3B49BF8B-8FD1-1748-B518-B651293E6FA0}" type="datetimeFigureOut">
               <a:rPr lang="en-US" smtClean="0"/>
-              <a:t>8/26/21</a:t>
+              <a:t>11/28/21</a:t>
             </a:fld>
             <a:endParaRPr lang="en-US"/>
           </a:p>
@@ -803,7 +803,7 @@
           <a:p>
             <a:fld id="{3B49BF8B-8FD1-1748-B518-B651293E6FA0}" type="datetimeFigureOut">
               <a:rPr lang="en-US" smtClean="0"/>
-              <a:t>8/26/21</a:t>
+              <a:t>11/28/21</a:t>
             </a:fld>
             <a:endParaRPr lang="en-US"/>
           </a:p>
@@ -1063,7 +1063,7 @@
           <a:p>
             <a:fld id="{3B49BF8B-8FD1-1748-B518-B651293E6FA0}" type="datetimeFigureOut">
               <a:rPr lang="en-US" smtClean="0"/>
-              <a:t>8/26/21</a:t>
+              <a:t>11/28/21</a:t>
             </a:fld>
             <a:endParaRPr lang="en-US"/>
           </a:p>
@@ -1295,7 +1295,7 @@
           <a:p>
             <a:fld id="{3B49BF8B-8FD1-1748-B518-B651293E6FA0}" type="datetimeFigureOut">
               <a:rPr lang="en-US" smtClean="0"/>
-              <a:t>8/26/21</a:t>
+              <a:t>11/28/21</a:t>
             </a:fld>
             <a:endParaRPr lang="en-US"/>
           </a:p>
@@ -1650,7 +1650,7 @@
           <a:p>
             <a:fld id="{3B49BF8B-8FD1-1748-B518-B651293E6FA0}" type="datetimeFigureOut">
               <a:rPr lang="en-US" smtClean="0"/>
-              <a:t>8/26/21</a:t>
+              <a:t>11/28/21</a:t>
             </a:fld>
             <a:endParaRPr lang="en-US"/>
           </a:p>
@@ -1791,7 +1791,7 @@
           <a:p>
             <a:fld id="{3B49BF8B-8FD1-1748-B518-B651293E6FA0}" type="datetimeFigureOut">
               <a:rPr lang="en-US" smtClean="0"/>
-              <a:t>8/26/21</a:t>
+              <a:t>11/28/21</a:t>
             </a:fld>
             <a:endParaRPr lang="en-US"/>
           </a:p>
@@ -1886,7 +1886,7 @@
           <a:p>
             <a:fld id="{3B49BF8B-8FD1-1748-B518-B651293E6FA0}" type="datetimeFigureOut">
               <a:rPr lang="en-US" smtClean="0"/>
-              <a:t>8/26/21</a:t>
+              <a:t>11/28/21</a:t>
             </a:fld>
             <a:endParaRPr lang="en-US"/>
           </a:p>
@@ -2243,7 +2243,7 @@
           <a:p>
             <a:fld id="{3B49BF8B-8FD1-1748-B518-B651293E6FA0}" type="datetimeFigureOut">
               <a:rPr lang="en-US" smtClean="0"/>
-              <a:t>8/26/21</a:t>
+              <a:t>11/28/21</a:t>
             </a:fld>
             <a:endParaRPr lang="en-US"/>
           </a:p>
@@ -2561,7 +2561,7 @@
           <a:p>
             <a:fld id="{3B49BF8B-8FD1-1748-B518-B651293E6FA0}" type="datetimeFigureOut">
               <a:rPr lang="en-US" smtClean="0"/>
-              <a:t>8/26/21</a:t>
+              <a:t>11/28/21</a:t>
             </a:fld>
             <a:endParaRPr lang="en-US"/>
           </a:p>
@@ -2806,7 +2806,7 @@
           <a:p>
             <a:fld id="{3B49BF8B-8FD1-1748-B518-B651293E6FA0}" type="datetimeFigureOut">
               <a:rPr lang="en-US" smtClean="0"/>
-              <a:t>8/26/21</a:t>
+              <a:t>11/28/21</a:t>
             </a:fld>
             <a:endParaRPr lang="en-US"/>
           </a:p>
@@ -3312,7 +3312,7 @@
           <a:p>
             <a:r>
               <a:rPr lang="en-US" dirty="0"/>
-              <a:t>Due Friday (Midnight)</a:t>
+              <a:t>Due Thursday (Midnight Baltimore Time)</a:t>
             </a:r>
           </a:p>
         </p:txBody>
@@ -3586,7 +3586,7 @@
             </a:br>
             <a:r>
               <a:rPr lang="en-US" sz="2000" dirty="0"/>
-              <a:t>Due Friday (midnight)</a:t>
+              <a:t>Due Thursday (Midnight Baltimore Time)</a:t>
             </a:r>
           </a:p>
         </p:txBody>
